--- a/documentation.pptx
+++ b/documentation.pptx
@@ -134,7 +134,7 @@
 <file path=ppt/revisionInfo.xml><?xml version="1.0" encoding="utf-8"?>
 <p1510:revInfo xmlns:a="http://schemas.openxmlformats.org/drawingml/2006/main" xmlns:r="http://schemas.openxmlformats.org/officeDocument/2006/relationships" xmlns:p1510="http://schemas.microsoft.com/office/powerpoint/2015/10/main">
   <p1510:revLst>
-    <p1510:client id="{808DC55E-D9AA-4F9B-A30B-73910F96AA20}" v="86" dt="2024-04-16T14:17:09.667"/>
+    <p1510:client id="{5AAF1A87-97E9-4C80-813F-DE70A182EC02}" v="1" dt="2024-06-11T09:47:08.777"/>
   </p1510:revLst>
 </p1510:revInfo>
 </file>
@@ -1856,6 +1856,76 @@
     </pc:docChg>
   </pc:docChgLst>
   <pc:docChgLst>
+    <pc:chgData name="Alessandro Di Nola" userId="90fc0514de939dfe" providerId="LiveId" clId="{5AAF1A87-97E9-4C80-813F-DE70A182EC02}"/>
+    <pc:docChg chg="custSel modSld">
+      <pc:chgData name="Alessandro Di Nola" userId="90fc0514de939dfe" providerId="LiveId" clId="{5AAF1A87-97E9-4C80-813F-DE70A182EC02}" dt="2024-06-11T09:50:17.112" v="73" actId="20577"/>
+      <pc:docMkLst>
+        <pc:docMk/>
+      </pc:docMkLst>
+      <pc:sldChg chg="addSp delSp modSp mod">
+        <pc:chgData name="Alessandro Di Nola" userId="90fc0514de939dfe" providerId="LiveId" clId="{5AAF1A87-97E9-4C80-813F-DE70A182EC02}" dt="2024-06-11T09:50:17.112" v="73" actId="20577"/>
+        <pc:sldMkLst>
+          <pc:docMk/>
+          <pc:sldMk cId="3486005326" sldId="366"/>
+        </pc:sldMkLst>
+        <pc:spChg chg="mod">
+          <ac:chgData name="Alessandro Di Nola" userId="90fc0514de939dfe" providerId="LiveId" clId="{5AAF1A87-97E9-4C80-813F-DE70A182EC02}" dt="2024-06-11T09:50:17.112" v="73" actId="20577"/>
+          <ac:spMkLst>
+            <pc:docMk/>
+            <pc:sldMk cId="3486005326" sldId="366"/>
+            <ac:spMk id="4" creationId="{AA62DAD4-534F-CB63-D311-24794A9150EA}"/>
+          </ac:spMkLst>
+        </pc:spChg>
+        <pc:spChg chg="add del mod">
+          <ac:chgData name="Alessandro Di Nola" userId="90fc0514de939dfe" providerId="LiveId" clId="{5AAF1A87-97E9-4C80-813F-DE70A182EC02}" dt="2024-06-11T09:47:18.316" v="36" actId="478"/>
+          <ac:spMkLst>
+            <pc:docMk/>
+            <pc:sldMk cId="3486005326" sldId="366"/>
+            <ac:spMk id="10" creationId="{61133922-579B-A081-79EF-FCDAAC2D1C20}"/>
+          </ac:spMkLst>
+        </pc:spChg>
+      </pc:sldChg>
+      <pc:sldChg chg="modSp mod">
+        <pc:chgData name="Alessandro Di Nola" userId="90fc0514de939dfe" providerId="LiveId" clId="{5AAF1A87-97E9-4C80-813F-DE70A182EC02}" dt="2024-06-05T05:28:25.458" v="12" actId="20577"/>
+        <pc:sldMkLst>
+          <pc:docMk/>
+          <pc:sldMk cId="2121541685" sldId="372"/>
+        </pc:sldMkLst>
+        <pc:spChg chg="mod">
+          <ac:chgData name="Alessandro Di Nola" userId="90fc0514de939dfe" providerId="LiveId" clId="{5AAF1A87-97E9-4C80-813F-DE70A182EC02}" dt="2024-06-05T05:28:25.458" v="12" actId="20577"/>
+          <ac:spMkLst>
+            <pc:docMk/>
+            <pc:sldMk cId="2121541685" sldId="372"/>
+            <ac:spMk id="8" creationId="{BC8D4F6E-2910-C86B-C66B-99876966262D}"/>
+          </ac:spMkLst>
+        </pc:spChg>
+      </pc:sldChg>
+      <pc:sldChg chg="modSp mod">
+        <pc:chgData name="Alessandro Di Nola" userId="90fc0514de939dfe" providerId="LiveId" clId="{5AAF1A87-97E9-4C80-813F-DE70A182EC02}" dt="2024-06-05T05:27:26.699" v="2" actId="207"/>
+        <pc:sldMkLst>
+          <pc:docMk/>
+          <pc:sldMk cId="326659559" sldId="373"/>
+        </pc:sldMkLst>
+        <pc:spChg chg="mod">
+          <ac:chgData name="Alessandro Di Nola" userId="90fc0514de939dfe" providerId="LiveId" clId="{5AAF1A87-97E9-4C80-813F-DE70A182EC02}" dt="2024-06-05T05:27:26.699" v="2" actId="207"/>
+          <ac:spMkLst>
+            <pc:docMk/>
+            <pc:sldMk cId="326659559" sldId="373"/>
+            <ac:spMk id="13" creationId="{93D0C8C5-CB5C-647B-42D0-6B99E0FC7176}"/>
+          </ac:spMkLst>
+        </pc:spChg>
+        <pc:spChg chg="mod">
+          <ac:chgData name="Alessandro Di Nola" userId="90fc0514de939dfe" providerId="LiveId" clId="{5AAF1A87-97E9-4C80-813F-DE70A182EC02}" dt="2024-06-05T05:26:46.566" v="1" actId="14100"/>
+          <ac:spMkLst>
+            <pc:docMk/>
+            <pc:sldMk cId="326659559" sldId="373"/>
+            <ac:spMk id="24" creationId="{708052ED-1BF6-F517-6EFA-78FFE22198B4}"/>
+          </ac:spMkLst>
+        </pc:spChg>
+      </pc:sldChg>
+    </pc:docChg>
+  </pc:docChgLst>
+  <pc:docChgLst>
     <pc:chgData name="Alessandro Di Nola" userId="90fc0514de939dfe" providerId="LiveId" clId="{1C2C0637-A996-44A9-BF0A-0EF2A77798F2}"/>
     <pc:docChg chg="addSld modSld">
       <pc:chgData name="Alessandro Di Nola" userId="90fc0514de939dfe" providerId="LiveId" clId="{1C2C0637-A996-44A9-BF0A-0EF2A77798F2}" dt="2024-02-19T15:18:23.354" v="24" actId="120"/>
@@ -4221,7 +4291,7 @@
           <a:p>
             <a:fld id="{368FE6E2-D89C-4B17-81A6-895A9FD1C400}" type="datetimeFigureOut">
               <a:rPr lang="en-US" smtClean="0"/>
-              <a:t>4/25/2024</a:t>
+              <a:t>6/11/2024</a:t>
             </a:fld>
             <a:endParaRPr lang="en-US"/>
           </a:p>
@@ -4719,7 +4789,7 @@
           <a:p>
             <a:fld id="{10AEE2A5-54D5-48DA-B244-5775AC36EFD5}" type="datetime1">
               <a:rPr lang="it-IT" smtClean="0"/>
-              <a:t>gio 25-04-2024</a:t>
+              <a:t>mar 11-06-2024</a:t>
             </a:fld>
             <a:endParaRPr lang="en-US"/>
           </a:p>
@@ -4917,7 +4987,7 @@
           <a:p>
             <a:fld id="{22518EEF-97A9-4DBB-BB2F-2D275627B00F}" type="datetime1">
               <a:rPr lang="it-IT" smtClean="0"/>
-              <a:t>gio 25-04-2024</a:t>
+              <a:t>mar 11-06-2024</a:t>
             </a:fld>
             <a:endParaRPr lang="en-US"/>
           </a:p>
@@ -5125,7 +5195,7 @@
           <a:p>
             <a:fld id="{6EE2B618-32C0-4F4D-90C7-18A4B52C095B}" type="datetime1">
               <a:rPr lang="it-IT" smtClean="0"/>
-              <a:t>gio 25-04-2024</a:t>
+              <a:t>mar 11-06-2024</a:t>
             </a:fld>
             <a:endParaRPr lang="en-US"/>
           </a:p>
@@ -5323,7 +5393,7 @@
           <a:p>
             <a:fld id="{759A726C-1F68-449C-8FDB-C52627520889}" type="datetime1">
               <a:rPr lang="it-IT" smtClean="0"/>
-              <a:t>gio 25-04-2024</a:t>
+              <a:t>mar 11-06-2024</a:t>
             </a:fld>
             <a:endParaRPr lang="en-US"/>
           </a:p>
@@ -5598,7 +5668,7 @@
           <a:p>
             <a:fld id="{7199F2E2-6FCD-43EC-9517-29E0EC9835AB}" type="datetime1">
               <a:rPr lang="it-IT" smtClean="0"/>
-              <a:t>gio 25-04-2024</a:t>
+              <a:t>mar 11-06-2024</a:t>
             </a:fld>
             <a:endParaRPr lang="en-US"/>
           </a:p>
@@ -5863,7 +5933,7 @@
           <a:p>
             <a:fld id="{EF7B8FD9-D678-4B1C-B9B3-4AEF167B8F26}" type="datetime1">
               <a:rPr lang="it-IT" smtClean="0"/>
-              <a:t>gio 25-04-2024</a:t>
+              <a:t>mar 11-06-2024</a:t>
             </a:fld>
             <a:endParaRPr lang="en-US"/>
           </a:p>
@@ -6275,7 +6345,7 @@
           <a:p>
             <a:fld id="{879B1A5B-F9B3-4F98-A594-BABA5B35B312}" type="datetime1">
               <a:rPr lang="it-IT" smtClean="0"/>
-              <a:t>gio 25-04-2024</a:t>
+              <a:t>mar 11-06-2024</a:t>
             </a:fld>
             <a:endParaRPr lang="en-US"/>
           </a:p>
@@ -6416,7 +6486,7 @@
           <a:p>
             <a:fld id="{CE860184-316B-400A-B9EF-C3D1E5F6525A}" type="datetime1">
               <a:rPr lang="it-IT" smtClean="0"/>
-              <a:t>gio 25-04-2024</a:t>
+              <a:t>mar 11-06-2024</a:t>
             </a:fld>
             <a:endParaRPr lang="en-US"/>
           </a:p>
@@ -6529,7 +6599,7 @@
           <a:p>
             <a:fld id="{F3CE7DE9-CBC7-460E-84C7-41FB3F3E92AD}" type="datetime1">
               <a:rPr lang="it-IT" smtClean="0"/>
-              <a:t>gio 25-04-2024</a:t>
+              <a:t>mar 11-06-2024</a:t>
             </a:fld>
             <a:endParaRPr lang="en-US"/>
           </a:p>
@@ -6840,7 +6910,7 @@
           <a:p>
             <a:fld id="{7A74AA8E-6C46-44E7-9E5A-96FFC8D8009F}" type="datetime1">
               <a:rPr lang="it-IT" smtClean="0"/>
-              <a:t>gio 25-04-2024</a:t>
+              <a:t>mar 11-06-2024</a:t>
             </a:fld>
             <a:endParaRPr lang="en-US"/>
           </a:p>
@@ -7128,7 +7198,7 @@
           <a:p>
             <a:fld id="{B3410F15-8557-4084-B2F4-E3DBAB2FD0D6}" type="datetime1">
               <a:rPr lang="it-IT" smtClean="0"/>
-              <a:t>gio 25-04-2024</a:t>
+              <a:t>mar 11-06-2024</a:t>
             </a:fld>
             <a:endParaRPr lang="en-US"/>
           </a:p>
@@ -7369,7 +7439,7 @@
           <a:p>
             <a:fld id="{9337645A-99C5-4CC1-9109-6613847DD137}" type="datetime1">
               <a:rPr lang="it-IT" smtClean="0"/>
-              <a:t>gio 25-04-2024</a:t>
+              <a:t>mar 11-06-2024</a:t>
             </a:fld>
             <a:endParaRPr lang="en-US"/>
           </a:p>
@@ -8288,7 +8358,7 @@
                 <a:latin typeface="+mj-lt"/>
               </a:rPr>
               <a:pPr/>
-              <a:t>gio 25-04-2024</a:t>
+              <a:t>mar 11-06-2024</a:t>
             </a:fld>
             <a:endParaRPr lang="en-US" sz="1800">
               <a:solidFill>
@@ -8515,7 +8585,7 @@
           <a:p>
             <a:r>
               <a:rPr lang="it-IT" sz="2000"/>
-              <a:t>Ho cercato di rendere la nuova FSM per l’SPI il più generica possibile, effettua sempre lo stesso ciclo indipendentemente da se deve fare calibrazione, calibrazione startup, o normale dato. Da il fornisce il segnale di dato valido sempre dopo 14 colpi di  sclk e ne manda altri in base al valore pulse_count inviato dall’handler (14, 16 o 32).</a:t>
+              <a:t>Ho cercato di rendere la nuova FSM per l’SPI il più generica possibile, effettua sempre lo stesso ciclo indipendentemente da se deve fare calibrazione, calibrazione startup, o normale dato. Fornisce il segnale di dato valido sempre dopo 14 colpi di sclk e ne manda altri in base al valore pulse_count inviato dall’handler (14, 16 o 32).</a:t>
             </a:r>
             <a:endParaRPr lang="en-US" sz="2000"/>
           </a:p>
@@ -13714,7 +13784,24 @@
                   </a:schemeClr>
                 </a:solidFill>
               </a:rPr>
-              <a:t>CLK fabric</a:t>
+              <a:t>CLK fabric       </a:t>
+            </a:r>
+            <a:r>
+              <a:rPr lang="en-US" b="0">
+                <a:solidFill>
+                  <a:srgbClr val="F7C566"/>
+                </a:solidFill>
+                <a:sym typeface="Wingdings" panose="05000000000000000000" pitchFamily="2" charset="2"/>
+              </a:rPr>
+              <a:t> </a:t>
+            </a:r>
+            <a:r>
+              <a:rPr lang="en-US" b="0">
+                <a:solidFill>
+                  <a:srgbClr val="F7C566"/>
+                </a:solidFill>
+              </a:rPr>
+              <a:t>NON USATO!!</a:t>
             </a:r>
           </a:p>
           <a:p>
@@ -13746,8 +13833,32 @@
                   </a:schemeClr>
                 </a:solidFill>
               </a:rPr>
-              <a:t>CLK ext/int - da run control</a:t>
-            </a:r>
+              <a:t>CLK ext/int - da run control </a:t>
+            </a:r>
+            <a:r>
+              <a:rPr lang="en-US" b="0">
+                <a:solidFill>
+                  <a:srgbClr val="F7C566"/>
+                </a:solidFill>
+                <a:sym typeface="Wingdings" panose="05000000000000000000" pitchFamily="2" charset="2"/>
+              </a:rPr>
+              <a:t> </a:t>
+            </a:r>
+            <a:r>
+              <a:rPr lang="en-US" b="0">
+                <a:solidFill>
+                  <a:srgbClr val="F7C566"/>
+                </a:solidFill>
+              </a:rPr>
+              <a:t>NON USATO!!</a:t>
+            </a:r>
+            <a:endParaRPr lang="en-US" b="0">
+              <a:solidFill>
+                <a:schemeClr val="bg2">
+                  <a:lumMod val="10000"/>
+                </a:schemeClr>
+              </a:solidFill>
+            </a:endParaRPr>
           </a:p>
           <a:p>
             <a:pPr marL="285750" indent="-285750">
@@ -25079,8 +25190,8 @@
           </a:prstGeom>
           <a:solidFill>
             <a:schemeClr val="accent2">
-              <a:lumMod val="20000"/>
-              <a:lumOff val="80000"/>
+              <a:lumMod val="40000"/>
+              <a:lumOff val="60000"/>
             </a:schemeClr>
           </a:solidFill>
           <a:ln w="28575">
@@ -25988,8 +26099,8 @@
         </p:nvSpPr>
         <p:spPr>
           <a:xfrm>
-            <a:off x="1293344" y="2187389"/>
-            <a:ext cx="839044" cy="1292183"/>
+            <a:off x="1293344" y="2147797"/>
+            <a:ext cx="839044" cy="1495490"/>
           </a:xfrm>
           <a:prstGeom prst="rect">
             <a:avLst/>

--- a/documentation.pptx
+++ b/documentation.pptx
@@ -1858,10 +1858,33 @@
   <pc:docChgLst>
     <pc:chgData name="Alessandro Di Nola" userId="90fc0514de939dfe" providerId="LiveId" clId="{5AAF1A87-97E9-4C80-813F-DE70A182EC02}"/>
     <pc:docChg chg="custSel modSld">
-      <pc:chgData name="Alessandro Di Nola" userId="90fc0514de939dfe" providerId="LiveId" clId="{5AAF1A87-97E9-4C80-813F-DE70A182EC02}" dt="2024-06-11T09:50:17.112" v="73" actId="20577"/>
+      <pc:chgData name="Alessandro Di Nola" userId="90fc0514de939dfe" providerId="LiveId" clId="{5AAF1A87-97E9-4C80-813F-DE70A182EC02}" dt="2024-06-19T13:08:48.589" v="97" actId="20577"/>
       <pc:docMkLst>
         <pc:docMk/>
       </pc:docMkLst>
+      <pc:sldChg chg="modSp mod">
+        <pc:chgData name="Alessandro Di Nola" userId="90fc0514de939dfe" providerId="LiveId" clId="{5AAF1A87-97E9-4C80-813F-DE70A182EC02}" dt="2024-06-19T13:08:48.589" v="97" actId="20577"/>
+        <pc:sldMkLst>
+          <pc:docMk/>
+          <pc:sldMk cId="237148182" sldId="294"/>
+        </pc:sldMkLst>
+        <pc:spChg chg="mod">
+          <ac:chgData name="Alessandro Di Nola" userId="90fc0514de939dfe" providerId="LiveId" clId="{5AAF1A87-97E9-4C80-813F-DE70A182EC02}" dt="2024-06-19T13:08:48.589" v="97" actId="20577"/>
+          <ac:spMkLst>
+            <pc:docMk/>
+            <pc:sldMk cId="237148182" sldId="294"/>
+            <ac:spMk id="47" creationId="{9C4E4E12-FFA9-46B4-A225-5C9EDD91A367}"/>
+          </ac:spMkLst>
+        </pc:spChg>
+        <pc:spChg chg="mod">
+          <ac:chgData name="Alessandro Di Nola" userId="90fc0514de939dfe" providerId="LiveId" clId="{5AAF1A87-97E9-4C80-813F-DE70A182EC02}" dt="2024-06-19T13:08:34.183" v="93" actId="20577"/>
+          <ac:spMkLst>
+            <pc:docMk/>
+            <pc:sldMk cId="237148182" sldId="294"/>
+            <ac:spMk id="105" creationId="{751F603B-B8E0-412E-BED8-C0FEB06D0D0F}"/>
+          </ac:spMkLst>
+        </pc:spChg>
+      </pc:sldChg>
       <pc:sldChg chg="addSp delSp modSp mod">
         <pc:chgData name="Alessandro Di Nola" userId="90fc0514de939dfe" providerId="LiveId" clId="{5AAF1A87-97E9-4C80-813F-DE70A182EC02}" dt="2024-06-11T09:50:17.112" v="73" actId="20577"/>
         <pc:sldMkLst>
@@ -4291,7 +4314,7 @@
           <a:p>
             <a:fld id="{368FE6E2-D89C-4B17-81A6-895A9FD1C400}" type="datetimeFigureOut">
               <a:rPr lang="en-US" smtClean="0"/>
-              <a:t>6/11/2024</a:t>
+              <a:t>6/19/2024</a:t>
             </a:fld>
             <a:endParaRPr lang="en-US"/>
           </a:p>
@@ -4789,7 +4812,7 @@
           <a:p>
             <a:fld id="{10AEE2A5-54D5-48DA-B244-5775AC36EFD5}" type="datetime1">
               <a:rPr lang="it-IT" smtClean="0"/>
-              <a:t>mar 11-06-2024</a:t>
+              <a:t>mer 19-06-2024</a:t>
             </a:fld>
             <a:endParaRPr lang="en-US"/>
           </a:p>
@@ -4987,7 +5010,7 @@
           <a:p>
             <a:fld id="{22518EEF-97A9-4DBB-BB2F-2D275627B00F}" type="datetime1">
               <a:rPr lang="it-IT" smtClean="0"/>
-              <a:t>mar 11-06-2024</a:t>
+              <a:t>mer 19-06-2024</a:t>
             </a:fld>
             <a:endParaRPr lang="en-US"/>
           </a:p>
@@ -5195,7 +5218,7 @@
           <a:p>
             <a:fld id="{6EE2B618-32C0-4F4D-90C7-18A4B52C095B}" type="datetime1">
               <a:rPr lang="it-IT" smtClean="0"/>
-              <a:t>mar 11-06-2024</a:t>
+              <a:t>mer 19-06-2024</a:t>
             </a:fld>
             <a:endParaRPr lang="en-US"/>
           </a:p>
@@ -5393,7 +5416,7 @@
           <a:p>
             <a:fld id="{759A726C-1F68-449C-8FDB-C52627520889}" type="datetime1">
               <a:rPr lang="it-IT" smtClean="0"/>
-              <a:t>mar 11-06-2024</a:t>
+              <a:t>mer 19-06-2024</a:t>
             </a:fld>
             <a:endParaRPr lang="en-US"/>
           </a:p>
@@ -5668,7 +5691,7 @@
           <a:p>
             <a:fld id="{7199F2E2-6FCD-43EC-9517-29E0EC9835AB}" type="datetime1">
               <a:rPr lang="it-IT" smtClean="0"/>
-              <a:t>mar 11-06-2024</a:t>
+              <a:t>mer 19-06-2024</a:t>
             </a:fld>
             <a:endParaRPr lang="en-US"/>
           </a:p>
@@ -5933,7 +5956,7 @@
           <a:p>
             <a:fld id="{EF7B8FD9-D678-4B1C-B9B3-4AEF167B8F26}" type="datetime1">
               <a:rPr lang="it-IT" smtClean="0"/>
-              <a:t>mar 11-06-2024</a:t>
+              <a:t>mer 19-06-2024</a:t>
             </a:fld>
             <a:endParaRPr lang="en-US"/>
           </a:p>
@@ -6345,7 +6368,7 @@
           <a:p>
             <a:fld id="{879B1A5B-F9B3-4F98-A594-BABA5B35B312}" type="datetime1">
               <a:rPr lang="it-IT" smtClean="0"/>
-              <a:t>mar 11-06-2024</a:t>
+              <a:t>mer 19-06-2024</a:t>
             </a:fld>
             <a:endParaRPr lang="en-US"/>
           </a:p>
@@ -6486,7 +6509,7 @@
           <a:p>
             <a:fld id="{CE860184-316B-400A-B9EF-C3D1E5F6525A}" type="datetime1">
               <a:rPr lang="it-IT" smtClean="0"/>
-              <a:t>mar 11-06-2024</a:t>
+              <a:t>mer 19-06-2024</a:t>
             </a:fld>
             <a:endParaRPr lang="en-US"/>
           </a:p>
@@ -6599,7 +6622,7 @@
           <a:p>
             <a:fld id="{F3CE7DE9-CBC7-460E-84C7-41FB3F3E92AD}" type="datetime1">
               <a:rPr lang="it-IT" smtClean="0"/>
-              <a:t>mar 11-06-2024</a:t>
+              <a:t>mer 19-06-2024</a:t>
             </a:fld>
             <a:endParaRPr lang="en-US"/>
           </a:p>
@@ -6910,7 +6933,7 @@
           <a:p>
             <a:fld id="{7A74AA8E-6C46-44E7-9E5A-96FFC8D8009F}" type="datetime1">
               <a:rPr lang="it-IT" smtClean="0"/>
-              <a:t>mar 11-06-2024</a:t>
+              <a:t>mer 19-06-2024</a:t>
             </a:fld>
             <a:endParaRPr lang="en-US"/>
           </a:p>
@@ -7198,7 +7221,7 @@
           <a:p>
             <a:fld id="{B3410F15-8557-4084-B2F4-E3DBAB2FD0D6}" type="datetime1">
               <a:rPr lang="it-IT" smtClean="0"/>
-              <a:t>mar 11-06-2024</a:t>
+              <a:t>mer 19-06-2024</a:t>
             </a:fld>
             <a:endParaRPr lang="en-US"/>
           </a:p>
@@ -7439,7 +7462,7 @@
           <a:p>
             <a:fld id="{9337645A-99C5-4CC1-9109-6613847DD137}" type="datetime1">
               <a:rPr lang="it-IT" smtClean="0"/>
-              <a:t>mar 11-06-2024</a:t>
+              <a:t>mer 19-06-2024</a:t>
             </a:fld>
             <a:endParaRPr lang="en-US"/>
           </a:p>
@@ -8358,7 +8381,7 @@
                 <a:latin typeface="+mj-lt"/>
               </a:rPr>
               <a:pPr/>
-              <a:t>mar 11-06-2024</a:t>
+              <a:t>mer 19-06-2024</a:t>
             </a:fld>
             <a:endParaRPr lang="en-US" sz="1800">
               <a:solidFill>
@@ -19038,7 +19061,7 @@
         <p:spPr>
           <a:xfrm>
             <a:off x="347947" y="1158181"/>
-            <a:ext cx="4497403" cy="323270"/>
+            <a:ext cx="4846601" cy="323270"/>
           </a:xfrm>
           <a:prstGeom prst="rect">
             <a:avLst/>
@@ -19085,7 +19108,7 @@
                 <a:ea typeface="Andale Sans UI" pitchFamily="2"/>
                 <a:cs typeface="Tahoma" pitchFamily="2"/>
               </a:rPr>
-              <a:t> PPS embedded</a:t>
+              <a:t> PPS tag embedded</a:t>
             </a:r>
             <a:endParaRPr lang="de-DE" sz="1633" dirty="0">
               <a:latin typeface="Arial" pitchFamily="18"/>
@@ -21577,7 +21600,7 @@
         <p:spPr>
           <a:xfrm>
             <a:off x="6115286" y="1499568"/>
-            <a:ext cx="2108929" cy="323270"/>
+            <a:ext cx="2201647" cy="323270"/>
           </a:xfrm>
           <a:prstGeom prst="rect">
             <a:avLst/>
@@ -21603,7 +21626,7 @@
                 <a:ea typeface="Andale Sans UI" pitchFamily="2"/>
                 <a:cs typeface="Tahoma" pitchFamily="2"/>
               </a:rPr>
-              <a:t>Second tag available</a:t>
+              <a:t>Second tag (interlock)</a:t>
             </a:r>
             <a:endParaRPr lang="de-DE" sz="1633" dirty="0">
               <a:solidFill>
